--- a/ML in Prediction of Eyes(PROJECT)/ML in Prediction of Eyes.pptx
+++ b/ML in Prediction of Eyes(PROJECT)/ML in Prediction of Eyes.pptx
@@ -6,10 +6,13 @@
   </p:sldMasterIdLst>
   <p:sldIdLst>
     <p:sldId id="256" r:id="rId2"/>
-    <p:sldId id="257" r:id="rId3"/>
-    <p:sldId id="258" r:id="rId4"/>
-    <p:sldId id="259" r:id="rId5"/>
-    <p:sldId id="260" r:id="rId6"/>
+    <p:sldId id="261" r:id="rId3"/>
+    <p:sldId id="262" r:id="rId4"/>
+    <p:sldId id="263" r:id="rId5"/>
+    <p:sldId id="257" r:id="rId6"/>
+    <p:sldId id="258" r:id="rId7"/>
+    <p:sldId id="259" r:id="rId8"/>
+    <p:sldId id="260" r:id="rId9"/>
   </p:sldIdLst>
   <p:sldSz cx="12192000" cy="6858000"/>
   <p:notesSz cx="6858000" cy="9144000"/>
@@ -249,9 +252,9 @@
           <a:p>
             <a:fld id="{276D79ED-3FA7-4EF8-964B-EB8BCFAB02F8}" type="datetimeFigureOut">
               <a:rPr lang="en-US" smtClean="0"/>
-              <a:t>9/30/2018</a:t>
+              <a:t>10/7/2018</a:t>
             </a:fld>
-            <a:endParaRPr lang="en-US"/>
+            <a:endParaRPr lang="en-US" dirty="0"/>
           </a:p>
         </p:txBody>
       </p:sp>
@@ -270,7 +273,7 @@
           <a:bodyPr/>
           <a:lstStyle/>
           <a:p>
-            <a:endParaRPr lang="en-US"/>
+            <a:endParaRPr lang="en-US" dirty="0"/>
           </a:p>
         </p:txBody>
       </p:sp>
@@ -293,7 +296,7 @@
               <a:rPr lang="en-US" smtClean="0"/>
               <a:t>‹#›</a:t>
             </a:fld>
-            <a:endParaRPr lang="en-US"/>
+            <a:endParaRPr lang="en-US" dirty="0"/>
           </a:p>
         </p:txBody>
       </p:sp>
@@ -419,9 +422,9 @@
           <a:p>
             <a:fld id="{276D79ED-3FA7-4EF8-964B-EB8BCFAB02F8}" type="datetimeFigureOut">
               <a:rPr lang="en-US" smtClean="0"/>
-              <a:t>9/30/2018</a:t>
+              <a:t>10/7/2018</a:t>
             </a:fld>
-            <a:endParaRPr lang="en-US"/>
+            <a:endParaRPr lang="en-US" dirty="0"/>
           </a:p>
         </p:txBody>
       </p:sp>
@@ -440,7 +443,7 @@
           <a:bodyPr/>
           <a:lstStyle/>
           <a:p>
-            <a:endParaRPr lang="en-US"/>
+            <a:endParaRPr lang="en-US" dirty="0"/>
           </a:p>
         </p:txBody>
       </p:sp>
@@ -463,7 +466,7 @@
               <a:rPr lang="en-US" smtClean="0"/>
               <a:t>‹#›</a:t>
             </a:fld>
-            <a:endParaRPr lang="en-US"/>
+            <a:endParaRPr lang="en-US" dirty="0"/>
           </a:p>
         </p:txBody>
       </p:sp>
@@ -667,9 +670,9 @@
           <a:p>
             <a:fld id="{276D79ED-3FA7-4EF8-964B-EB8BCFAB02F8}" type="datetimeFigureOut">
               <a:rPr lang="en-US" smtClean="0"/>
-              <a:t>9/30/2018</a:t>
+              <a:t>10/7/2018</a:t>
             </a:fld>
-            <a:endParaRPr lang="en-US"/>
+            <a:endParaRPr lang="en-US" dirty="0"/>
           </a:p>
         </p:txBody>
       </p:sp>
@@ -688,7 +691,7 @@
           <a:bodyPr/>
           <a:lstStyle/>
           <a:p>
-            <a:endParaRPr lang="en-US"/>
+            <a:endParaRPr lang="en-US" dirty="0"/>
           </a:p>
         </p:txBody>
       </p:sp>
@@ -711,7 +714,7 @@
               <a:rPr lang="en-US" smtClean="0"/>
               <a:t>‹#›</a:t>
             </a:fld>
-            <a:endParaRPr lang="en-US"/>
+            <a:endParaRPr lang="en-US" dirty="0"/>
           </a:p>
         </p:txBody>
       </p:sp>
@@ -899,9 +902,9 @@
           <a:p>
             <a:fld id="{276D79ED-3FA7-4EF8-964B-EB8BCFAB02F8}" type="datetimeFigureOut">
               <a:rPr lang="en-US" smtClean="0"/>
-              <a:t>9/30/2018</a:t>
+              <a:t>10/7/2018</a:t>
             </a:fld>
-            <a:endParaRPr lang="en-US"/>
+            <a:endParaRPr lang="en-US" dirty="0"/>
           </a:p>
         </p:txBody>
       </p:sp>
@@ -920,7 +923,7 @@
           <a:bodyPr/>
           <a:lstStyle/>
           <a:p>
-            <a:endParaRPr lang="en-US"/>
+            <a:endParaRPr lang="en-US" dirty="0"/>
           </a:p>
         </p:txBody>
       </p:sp>
@@ -943,7 +946,7 @@
               <a:rPr lang="en-US" smtClean="0"/>
               <a:t>‹#›</a:t>
             </a:fld>
-            <a:endParaRPr lang="en-US"/>
+            <a:endParaRPr lang="en-US" dirty="0"/>
           </a:p>
         </p:txBody>
       </p:sp>
@@ -1266,9 +1269,9 @@
           <a:p>
             <a:fld id="{276D79ED-3FA7-4EF8-964B-EB8BCFAB02F8}" type="datetimeFigureOut">
               <a:rPr lang="en-US" smtClean="0"/>
-              <a:t>9/30/2018</a:t>
+              <a:t>10/7/2018</a:t>
             </a:fld>
-            <a:endParaRPr lang="en-US"/>
+            <a:endParaRPr lang="en-US" dirty="0"/>
           </a:p>
         </p:txBody>
       </p:sp>
@@ -1287,7 +1290,7 @@
           <a:bodyPr/>
           <a:lstStyle/>
           <a:p>
-            <a:endParaRPr lang="en-US"/>
+            <a:endParaRPr lang="en-US" dirty="0"/>
           </a:p>
         </p:txBody>
       </p:sp>
@@ -1310,7 +1313,7 @@
               <a:rPr lang="en-US" smtClean="0"/>
               <a:t>‹#›</a:t>
             </a:fld>
-            <a:endParaRPr lang="en-US"/>
+            <a:endParaRPr lang="en-US" dirty="0"/>
           </a:p>
         </p:txBody>
       </p:sp>
@@ -1384,9 +1387,9 @@
           <a:p>
             <a:fld id="{276D79ED-3FA7-4EF8-964B-EB8BCFAB02F8}" type="datetimeFigureOut">
               <a:rPr lang="en-US" smtClean="0"/>
-              <a:t>9/30/2018</a:t>
+              <a:t>10/7/2018</a:t>
             </a:fld>
-            <a:endParaRPr lang="en-US"/>
+            <a:endParaRPr lang="en-US" dirty="0"/>
           </a:p>
         </p:txBody>
       </p:sp>
@@ -1405,7 +1408,7 @@
           <a:bodyPr/>
           <a:lstStyle/>
           <a:p>
-            <a:endParaRPr lang="en-US"/>
+            <a:endParaRPr lang="en-US" dirty="0"/>
           </a:p>
         </p:txBody>
       </p:sp>
@@ -1428,7 +1431,7 @@
               <a:rPr lang="en-US" smtClean="0"/>
               <a:t>‹#›</a:t>
             </a:fld>
-            <a:endParaRPr lang="en-US"/>
+            <a:endParaRPr lang="en-US" dirty="0"/>
           </a:p>
         </p:txBody>
       </p:sp>
@@ -1479,9 +1482,9 @@
           <a:p>
             <a:fld id="{276D79ED-3FA7-4EF8-964B-EB8BCFAB02F8}" type="datetimeFigureOut">
               <a:rPr lang="en-US" smtClean="0"/>
-              <a:t>9/30/2018</a:t>
+              <a:t>10/7/2018</a:t>
             </a:fld>
-            <a:endParaRPr lang="en-US"/>
+            <a:endParaRPr lang="en-US" dirty="0"/>
           </a:p>
         </p:txBody>
       </p:sp>
@@ -1500,7 +1503,7 @@
           <a:bodyPr/>
           <a:lstStyle/>
           <a:p>
-            <a:endParaRPr lang="en-US"/>
+            <a:endParaRPr lang="en-US" dirty="0"/>
           </a:p>
         </p:txBody>
       </p:sp>
@@ -1523,7 +1526,7 @@
               <a:rPr lang="en-US" smtClean="0"/>
               <a:t>‹#›</a:t>
             </a:fld>
-            <a:endParaRPr lang="en-US"/>
+            <a:endParaRPr lang="en-US" dirty="0"/>
           </a:p>
         </p:txBody>
       </p:sp>
@@ -1756,9 +1759,9 @@
           <a:p>
             <a:fld id="{276D79ED-3FA7-4EF8-964B-EB8BCFAB02F8}" type="datetimeFigureOut">
               <a:rPr lang="en-US" smtClean="0"/>
-              <a:t>9/30/2018</a:t>
+              <a:t>10/7/2018</a:t>
             </a:fld>
-            <a:endParaRPr lang="en-US"/>
+            <a:endParaRPr lang="en-US" dirty="0"/>
           </a:p>
         </p:txBody>
       </p:sp>
@@ -1777,7 +1780,7 @@
           <a:bodyPr/>
           <a:lstStyle/>
           <a:p>
-            <a:endParaRPr lang="en-US"/>
+            <a:endParaRPr lang="en-US" dirty="0"/>
           </a:p>
         </p:txBody>
       </p:sp>
@@ -1800,7 +1803,7 @@
               <a:rPr lang="en-US" smtClean="0"/>
               <a:t>‹#›</a:t>
             </a:fld>
-            <a:endParaRPr lang="en-US"/>
+            <a:endParaRPr lang="en-US" dirty="0"/>
           </a:p>
         </p:txBody>
       </p:sp>
@@ -1924,10 +1927,10 @@
           </a:lstStyle>
           <a:p>
             <a:r>
-              <a:rPr lang="ru-RU" smtClean="0"/>
+              <a:rPr lang="ru-RU" dirty="0" smtClean="0"/>
               <a:t>Вставка рисунка</a:t>
             </a:r>
-            <a:endParaRPr lang="en-US"/>
+            <a:endParaRPr lang="en-US" dirty="0"/>
           </a:p>
         </p:txBody>
       </p:sp>
@@ -2013,9 +2016,9 @@
           <a:p>
             <a:fld id="{276D79ED-3FA7-4EF8-964B-EB8BCFAB02F8}" type="datetimeFigureOut">
               <a:rPr lang="en-US" smtClean="0"/>
-              <a:t>9/30/2018</a:t>
+              <a:t>10/7/2018</a:t>
             </a:fld>
-            <a:endParaRPr lang="en-US"/>
+            <a:endParaRPr lang="en-US" dirty="0"/>
           </a:p>
         </p:txBody>
       </p:sp>
@@ -2034,7 +2037,7 @@
           <a:bodyPr/>
           <a:lstStyle/>
           <a:p>
-            <a:endParaRPr lang="en-US"/>
+            <a:endParaRPr lang="en-US" dirty="0"/>
           </a:p>
         </p:txBody>
       </p:sp>
@@ -2057,7 +2060,7 @@
               <a:rPr lang="en-US" smtClean="0"/>
               <a:t>‹#›</a:t>
             </a:fld>
-            <a:endParaRPr lang="en-US"/>
+            <a:endParaRPr lang="en-US" dirty="0"/>
           </a:p>
         </p:txBody>
       </p:sp>
@@ -2234,9 +2237,9 @@
           <a:p>
             <a:fld id="{276D79ED-3FA7-4EF8-964B-EB8BCFAB02F8}" type="datetimeFigureOut">
               <a:rPr lang="en-US" smtClean="0"/>
-              <a:t>9/30/2018</a:t>
+              <a:t>10/7/2018</a:t>
             </a:fld>
-            <a:endParaRPr lang="en-US"/>
+            <a:endParaRPr lang="en-US" dirty="0"/>
           </a:p>
         </p:txBody>
       </p:sp>
@@ -2273,7 +2276,7 @@
             </a:lvl1pPr>
           </a:lstStyle>
           <a:p>
-            <a:endParaRPr lang="en-US"/>
+            <a:endParaRPr lang="en-US" dirty="0"/>
           </a:p>
         </p:txBody>
       </p:sp>
@@ -2314,7 +2317,7 @@
               <a:rPr lang="en-US" smtClean="0"/>
               <a:t>‹#›</a:t>
             </a:fld>
-            <a:endParaRPr lang="en-US"/>
+            <a:endParaRPr lang="en-US" dirty="0"/>
           </a:p>
         </p:txBody>
       </p:sp>
@@ -2776,46 +2779,59 @@
           <a:p>
             <a:r>
               <a:rPr lang="en-US" dirty="0" smtClean="0"/>
-              <a:t>Machine Learning</a:t>
-            </a:r>
+              <a:t>Machine Learning in Research of Eyes</a:t>
+            </a:r>
+            <a:endParaRPr lang="en-US" dirty="0"/>
+          </a:p>
+        </p:txBody>
+      </p:sp>
+      <p:sp>
+        <p:nvSpPr>
+          <p:cNvPr id="3" name="Subtitle 2"/>
+          <p:cNvSpPr>
+            <a:spLocks noGrp="1"/>
+          </p:cNvSpPr>
+          <p:nvPr>
+            <p:ph type="subTitle" idx="1"/>
+          </p:nvPr>
+        </p:nvSpPr>
+        <p:spPr/>
+        <p:txBody>
+          <a:bodyPr/>
+          <a:lstStyle/>
+          <a:p>
             <a:r>
               <a:rPr lang="en-US" dirty="0" smtClean="0"/>
+              <a:t>Prepared by: Kossov </a:t>
+            </a:r>
+            <a:r>
+              <a:rPr lang="en-US" dirty="0" smtClean="0"/>
+              <a:t>Assylbek</a:t>
+            </a:r>
+          </a:p>
+          <a:p>
+            <a:r>
+              <a:rPr lang="en-US" b="1" dirty="0" smtClean="0"/>
+              <a:t>Bektemirova</a:t>
+            </a:r>
+            <a:r>
+              <a:rPr lang="en-US" b="1" dirty="0" smtClean="0"/>
               <a:t> </a:t>
             </a:r>
             <a:r>
-              <a:rPr lang="en-US" dirty="0" smtClean="0"/>
-              <a:t>in </a:t>
-            </a:r>
-            <a:r>
-              <a:rPr lang="en-US" dirty="0" smtClean="0"/>
-              <a:t>Research of </a:t>
-            </a:r>
-            <a:r>
-              <a:rPr lang="en-US" dirty="0" smtClean="0"/>
-              <a:t>Eyes</a:t>
-            </a:r>
-            <a:endParaRPr lang="en-US" dirty="0"/>
-          </a:p>
-        </p:txBody>
-      </p:sp>
-      <p:sp>
-        <p:nvSpPr>
-          <p:cNvPr id="3" name="Subtitle 2"/>
-          <p:cNvSpPr>
-            <a:spLocks noGrp="1"/>
-          </p:cNvSpPr>
-          <p:nvPr>
-            <p:ph type="subTitle" idx="1"/>
-          </p:nvPr>
-        </p:nvSpPr>
-        <p:spPr/>
-        <p:txBody>
-          <a:bodyPr/>
-          <a:lstStyle/>
-          <a:p>
-            <a:r>
-              <a:rPr lang="en-US" dirty="0" smtClean="0"/>
-              <a:t>Prepared by: Kossov Assylbek</a:t>
+              <a:rPr lang="en-US" b="1" dirty="0" smtClean="0"/>
+              <a:t>Aruzhan</a:t>
+            </a:r>
+            <a:endParaRPr lang="en-US" b="1" dirty="0" smtClean="0"/>
+          </a:p>
+          <a:p>
+            <a:r>
+              <a:rPr lang="en-US" b="1" dirty="0" smtClean="0"/>
+              <a:t>Kassanov</a:t>
+            </a:r>
+            <a:r>
+              <a:rPr lang="en-US" b="1" dirty="0" smtClean="0"/>
+              <a:t> Roman</a:t>
             </a:r>
             <a:endParaRPr lang="en-US" b="1" dirty="0"/>
           </a:p>
@@ -2860,6 +2876,310 @@
       </p:grpSpPr>
       <p:sp>
         <p:nvSpPr>
+          <p:cNvPr id="2" name="Заголовок 1"/>
+          <p:cNvSpPr>
+            <a:spLocks noGrp="1"/>
+          </p:cNvSpPr>
+          <p:nvPr>
+            <p:ph type="title"/>
+          </p:nvPr>
+        </p:nvSpPr>
+        <p:spPr/>
+        <p:txBody>
+          <a:bodyPr/>
+          <a:lstStyle/>
+          <a:p>
+            <a:r>
+              <a:rPr lang="en-US" dirty="0" smtClean="0"/>
+              <a:t>The current problem </a:t>
+            </a:r>
+            <a:endParaRPr lang="ru-RU" dirty="0"/>
+          </a:p>
+        </p:txBody>
+      </p:sp>
+      <p:sp>
+        <p:nvSpPr>
+          <p:cNvPr id="3" name="Объект 2"/>
+          <p:cNvSpPr>
+            <a:spLocks noGrp="1"/>
+          </p:cNvSpPr>
+          <p:nvPr>
+            <p:ph idx="1"/>
+          </p:nvPr>
+        </p:nvSpPr>
+        <p:spPr/>
+        <p:txBody>
+          <a:bodyPr/>
+          <a:lstStyle/>
+          <a:p>
+            <a:r>
+              <a:rPr lang="en-US" dirty="0" smtClean="0"/>
+              <a:t>The lack of research in brain eye relationship</a:t>
+            </a:r>
+            <a:endParaRPr lang="ru-RU" dirty="0"/>
+          </a:p>
+        </p:txBody>
+      </p:sp>
+      <p:pic>
+        <p:nvPicPr>
+          <p:cNvPr id="7" name="Рисунок 6"/>
+          <p:cNvPicPr>
+            <a:picLocks noChangeAspect="1"/>
+          </p:cNvPicPr>
+          <p:nvPr/>
+        </p:nvPicPr>
+        <p:blipFill rotWithShape="1">
+          <a:blip r:embed="rId2">
+            <a:extLst>
+              <a:ext uri="{28A0092B-C50C-407E-A947-70E740481C1C}">
+                <a14:useLocalDpi xmlns:a14="http://schemas.microsoft.com/office/drawing/2010/main" val="0"/>
+              </a:ext>
+            </a:extLst>
+          </a:blip>
+          <a:srcRect l="8166" r="7167"/>
+          <a:stretch/>
+        </p:blipFill>
+        <p:spPr>
+          <a:xfrm>
+            <a:off x="4648200" y="2305050"/>
+            <a:ext cx="6451600" cy="4286250"/>
+          </a:xfrm>
+          <a:prstGeom prst="rect">
+            <a:avLst/>
+          </a:prstGeom>
+        </p:spPr>
+      </p:pic>
+    </p:spTree>
+    <p:extLst>
+      <p:ext uri="{BB962C8B-B14F-4D97-AF65-F5344CB8AC3E}">
+        <p14:creationId xmlns:p14="http://schemas.microsoft.com/office/powerpoint/2010/main" val="2600498134"/>
+      </p:ext>
+    </p:extLst>
+  </p:cSld>
+  <p:clrMapOvr>
+    <a:masterClrMapping/>
+  </p:clrMapOvr>
+</p:sld>
+</file>
+
+<file path=ppt/slides/slide3.xml><?xml version="1.0" encoding="utf-8"?>
+<p:sld xmlns:a="http://schemas.openxmlformats.org/drawingml/2006/main" xmlns:r="http://schemas.openxmlformats.org/officeDocument/2006/relationships" xmlns:p="http://schemas.openxmlformats.org/presentationml/2006/main">
+  <p:cSld>
+    <p:spTree>
+      <p:nvGrpSpPr>
+        <p:cNvPr id="1" name=""/>
+        <p:cNvGrpSpPr/>
+        <p:nvPr/>
+      </p:nvGrpSpPr>
+      <p:grpSpPr>
+        <a:xfrm>
+          <a:off x="0" y="0"/>
+          <a:ext cx="0" cy="0"/>
+          <a:chOff x="0" y="0"/>
+          <a:chExt cx="0" cy="0"/>
+        </a:xfrm>
+      </p:grpSpPr>
+      <p:sp>
+        <p:nvSpPr>
+          <p:cNvPr id="2" name="Заголовок 1"/>
+          <p:cNvSpPr>
+            <a:spLocks noGrp="1"/>
+          </p:cNvSpPr>
+          <p:nvPr>
+            <p:ph type="title"/>
+          </p:nvPr>
+        </p:nvSpPr>
+        <p:spPr/>
+        <p:txBody>
+          <a:bodyPr/>
+          <a:lstStyle/>
+          <a:p>
+            <a:r>
+              <a:rPr lang="en-US" dirty="0" smtClean="0"/>
+              <a:t>DATASET</a:t>
+            </a:r>
+            <a:endParaRPr lang="ru-RU" dirty="0"/>
+          </a:p>
+        </p:txBody>
+      </p:sp>
+      <p:sp>
+        <p:nvSpPr>
+          <p:cNvPr id="3" name="Объект 2"/>
+          <p:cNvSpPr>
+            <a:spLocks noGrp="1"/>
+          </p:cNvSpPr>
+          <p:nvPr>
+            <p:ph idx="1"/>
+          </p:nvPr>
+        </p:nvSpPr>
+        <p:spPr/>
+        <p:txBody>
+          <a:bodyPr/>
+          <a:lstStyle/>
+          <a:p>
+            <a:r>
+              <a:rPr lang="en-US" dirty="0" smtClean="0"/>
+              <a:t>Consists from coordinates of brain signals </a:t>
+            </a:r>
+            <a:endParaRPr lang="ru-RU" dirty="0"/>
+          </a:p>
+        </p:txBody>
+      </p:sp>
+      <p:pic>
+        <p:nvPicPr>
+          <p:cNvPr id="4" name="Рисунок 3"/>
+          <p:cNvPicPr>
+            <a:picLocks noChangeAspect="1"/>
+          </p:cNvPicPr>
+          <p:nvPr/>
+        </p:nvPicPr>
+        <p:blipFill rotWithShape="1">
+          <a:blip r:embed="rId2"/>
+          <a:srcRect l="1" t="5729" r="32431" b="2431"/>
+          <a:stretch/>
+        </p:blipFill>
+        <p:spPr>
+          <a:xfrm>
+            <a:off x="3695701" y="2451100"/>
+            <a:ext cx="6819900" cy="4191000"/>
+          </a:xfrm>
+          <a:prstGeom prst="rect">
+            <a:avLst/>
+          </a:prstGeom>
+        </p:spPr>
+      </p:pic>
+    </p:spTree>
+    <p:extLst>
+      <p:ext uri="{BB962C8B-B14F-4D97-AF65-F5344CB8AC3E}">
+        <p14:creationId xmlns:p14="http://schemas.microsoft.com/office/powerpoint/2010/main" val="2268947125"/>
+      </p:ext>
+    </p:extLst>
+  </p:cSld>
+  <p:clrMapOvr>
+    <a:masterClrMapping/>
+  </p:clrMapOvr>
+</p:sld>
+</file>
+
+<file path=ppt/slides/slide4.xml><?xml version="1.0" encoding="utf-8"?>
+<p:sld xmlns:a="http://schemas.openxmlformats.org/drawingml/2006/main" xmlns:r="http://schemas.openxmlformats.org/officeDocument/2006/relationships" xmlns:p="http://schemas.openxmlformats.org/presentationml/2006/main">
+  <p:cSld>
+    <p:spTree>
+      <p:nvGrpSpPr>
+        <p:cNvPr id="1" name=""/>
+        <p:cNvGrpSpPr/>
+        <p:nvPr/>
+      </p:nvGrpSpPr>
+      <p:grpSpPr>
+        <a:xfrm>
+          <a:off x="0" y="0"/>
+          <a:ext cx="0" cy="0"/>
+          <a:chOff x="0" y="0"/>
+          <a:chExt cx="0" cy="0"/>
+        </a:xfrm>
+      </p:grpSpPr>
+      <p:sp>
+        <p:nvSpPr>
+          <p:cNvPr id="2" name="Заголовок 1"/>
+          <p:cNvSpPr>
+            <a:spLocks noGrp="1"/>
+          </p:cNvSpPr>
+          <p:nvPr>
+            <p:ph type="title"/>
+          </p:nvPr>
+        </p:nvSpPr>
+        <p:spPr/>
+        <p:txBody>
+          <a:bodyPr/>
+          <a:lstStyle/>
+          <a:p>
+            <a:r>
+              <a:rPr lang="en-US" dirty="0" smtClean="0"/>
+              <a:t>Competitors</a:t>
+            </a:r>
+            <a:endParaRPr lang="ru-RU" dirty="0"/>
+          </a:p>
+        </p:txBody>
+      </p:sp>
+      <p:sp>
+        <p:nvSpPr>
+          <p:cNvPr id="3" name="Объект 2"/>
+          <p:cNvSpPr>
+            <a:spLocks noGrp="1"/>
+          </p:cNvSpPr>
+          <p:nvPr>
+            <p:ph idx="1"/>
+          </p:nvPr>
+        </p:nvSpPr>
+        <p:spPr/>
+        <p:txBody>
+          <a:bodyPr/>
+          <a:lstStyle/>
+          <a:p>
+            <a:r>
+              <a:rPr lang="en-US" dirty="0" smtClean="0"/>
+              <a:t>University of Massachusetts</a:t>
+            </a:r>
+          </a:p>
+          <a:p>
+            <a:r>
+              <a:rPr lang="en-US" dirty="0" smtClean="0"/>
+              <a:t>Harvard Medical School </a:t>
+            </a:r>
+          </a:p>
+          <a:p>
+            <a:r>
+              <a:rPr lang="en-US" dirty="0" smtClean="0"/>
+              <a:t>Stanford Medical School</a:t>
+            </a:r>
+          </a:p>
+          <a:p>
+            <a:r>
+              <a:rPr lang="en-US" dirty="0" smtClean="0"/>
+              <a:t>Boston University of Medicine </a:t>
+            </a:r>
+          </a:p>
+          <a:p>
+            <a:r>
+              <a:rPr lang="en-US" dirty="0" smtClean="0"/>
+              <a:t>And etc………….. </a:t>
+            </a:r>
+            <a:endParaRPr lang="ru-RU" dirty="0"/>
+          </a:p>
+        </p:txBody>
+      </p:sp>
+    </p:spTree>
+    <p:extLst>
+      <p:ext uri="{BB962C8B-B14F-4D97-AF65-F5344CB8AC3E}">
+        <p14:creationId xmlns:p14="http://schemas.microsoft.com/office/powerpoint/2010/main" val="3324699836"/>
+      </p:ext>
+    </p:extLst>
+  </p:cSld>
+  <p:clrMapOvr>
+    <a:masterClrMapping/>
+  </p:clrMapOvr>
+</p:sld>
+</file>
+
+<file path=ppt/slides/slide5.xml><?xml version="1.0" encoding="utf-8"?>
+<p:sld xmlns:a="http://schemas.openxmlformats.org/drawingml/2006/main" xmlns:r="http://schemas.openxmlformats.org/officeDocument/2006/relationships" xmlns:p="http://schemas.openxmlformats.org/presentationml/2006/main">
+  <p:cSld>
+    <p:spTree>
+      <p:nvGrpSpPr>
+        <p:cNvPr id="1" name=""/>
+        <p:cNvGrpSpPr/>
+        <p:nvPr/>
+      </p:nvGrpSpPr>
+      <p:grpSpPr>
+        <a:xfrm>
+          <a:off x="0" y="0"/>
+          <a:ext cx="0" cy="0"/>
+          <a:chOff x="0" y="0"/>
+          <a:chExt cx="0" cy="0"/>
+        </a:xfrm>
+      </p:grpSpPr>
+      <p:sp>
+        <p:nvSpPr>
           <p:cNvPr id="2" name="Title 1"/>
           <p:cNvSpPr>
             <a:spLocks noGrp="1"/>
@@ -2967,7 +3287,7 @@
 </p:sld>
 </file>
 
-<file path=ppt/slides/slide3.xml><?xml version="1.0" encoding="utf-8"?>
+<file path=ppt/slides/slide6.xml><?xml version="1.0" encoding="utf-8"?>
 <p:sld xmlns:a="http://schemas.openxmlformats.org/drawingml/2006/main" xmlns:r="http://schemas.openxmlformats.org/officeDocument/2006/relationships" xmlns:p="http://schemas.openxmlformats.org/presentationml/2006/main">
   <p:cSld>
     <p:spTree>
@@ -3056,7 +3376,7 @@
 </p:sld>
 </file>
 
-<file path=ppt/slides/slide4.xml><?xml version="1.0" encoding="utf-8"?>
+<file path=ppt/slides/slide7.xml><?xml version="1.0" encoding="utf-8"?>
 <p:sld xmlns:a="http://schemas.openxmlformats.org/drawingml/2006/main" xmlns:r="http://schemas.openxmlformats.org/officeDocument/2006/relationships" xmlns:p="http://schemas.openxmlformats.org/presentationml/2006/main">
   <p:cSld>
     <p:spTree>
@@ -3201,7 +3521,7 @@
 </p:sld>
 </file>
 
-<file path=ppt/slides/slide5.xml><?xml version="1.0" encoding="utf-8"?>
+<file path=ppt/slides/slide8.xml><?xml version="1.0" encoding="utf-8"?>
 <p:sld xmlns:a="http://schemas.openxmlformats.org/drawingml/2006/main" xmlns:r="http://schemas.openxmlformats.org/officeDocument/2006/relationships" xmlns:p="http://schemas.openxmlformats.org/presentationml/2006/main">
   <p:cSld>
     <p:spTree>

--- a/ML in Prediction of Eyes(PROJECT)/ML in Prediction of Eyes.pptx
+++ b/ML in Prediction of Eyes(PROJECT)/ML in Prediction of Eyes.pptx
@@ -7,12 +7,20 @@
   <p:sldIdLst>
     <p:sldId id="256" r:id="rId2"/>
     <p:sldId id="261" r:id="rId3"/>
-    <p:sldId id="262" r:id="rId4"/>
-    <p:sldId id="263" r:id="rId5"/>
-    <p:sldId id="257" r:id="rId6"/>
-    <p:sldId id="258" r:id="rId7"/>
-    <p:sldId id="259" r:id="rId8"/>
-    <p:sldId id="260" r:id="rId9"/>
+    <p:sldId id="263" r:id="rId4"/>
+    <p:sldId id="258" r:id="rId5"/>
+    <p:sldId id="259" r:id="rId6"/>
+    <p:sldId id="257" r:id="rId7"/>
+    <p:sldId id="268" r:id="rId8"/>
+    <p:sldId id="264" r:id="rId9"/>
+    <p:sldId id="265" r:id="rId10"/>
+    <p:sldId id="270" r:id="rId11"/>
+    <p:sldId id="262" r:id="rId12"/>
+    <p:sldId id="266" r:id="rId13"/>
+    <p:sldId id="267" r:id="rId14"/>
+    <p:sldId id="269" r:id="rId15"/>
+    <p:sldId id="271" r:id="rId16"/>
+    <p:sldId id="260" r:id="rId17"/>
   </p:sldIdLst>
   <p:sldSz cx="12192000" cy="6858000"/>
   <p:notesSz cx="6858000" cy="9144000"/>
@@ -252,7 +260,7 @@
           <a:p>
             <a:fld id="{276D79ED-3FA7-4EF8-964B-EB8BCFAB02F8}" type="datetimeFigureOut">
               <a:rPr lang="en-US" smtClean="0"/>
-              <a:t>10/7/2018</a:t>
+              <a:t>12/1/2018</a:t>
             </a:fld>
             <a:endParaRPr lang="en-US" dirty="0"/>
           </a:p>
@@ -422,7 +430,7 @@
           <a:p>
             <a:fld id="{276D79ED-3FA7-4EF8-964B-EB8BCFAB02F8}" type="datetimeFigureOut">
               <a:rPr lang="en-US" smtClean="0"/>
-              <a:t>10/7/2018</a:t>
+              <a:t>12/1/2018</a:t>
             </a:fld>
             <a:endParaRPr lang="en-US" dirty="0"/>
           </a:p>
@@ -670,7 +678,7 @@
           <a:p>
             <a:fld id="{276D79ED-3FA7-4EF8-964B-EB8BCFAB02F8}" type="datetimeFigureOut">
               <a:rPr lang="en-US" smtClean="0"/>
-              <a:t>10/7/2018</a:t>
+              <a:t>12/1/2018</a:t>
             </a:fld>
             <a:endParaRPr lang="en-US" dirty="0"/>
           </a:p>
@@ -902,7 +910,7 @@
           <a:p>
             <a:fld id="{276D79ED-3FA7-4EF8-964B-EB8BCFAB02F8}" type="datetimeFigureOut">
               <a:rPr lang="en-US" smtClean="0"/>
-              <a:t>10/7/2018</a:t>
+              <a:t>12/1/2018</a:t>
             </a:fld>
             <a:endParaRPr lang="en-US" dirty="0"/>
           </a:p>
@@ -1269,7 +1277,7 @@
           <a:p>
             <a:fld id="{276D79ED-3FA7-4EF8-964B-EB8BCFAB02F8}" type="datetimeFigureOut">
               <a:rPr lang="en-US" smtClean="0"/>
-              <a:t>10/7/2018</a:t>
+              <a:t>12/1/2018</a:t>
             </a:fld>
             <a:endParaRPr lang="en-US" dirty="0"/>
           </a:p>
@@ -1387,7 +1395,7 @@
           <a:p>
             <a:fld id="{276D79ED-3FA7-4EF8-964B-EB8BCFAB02F8}" type="datetimeFigureOut">
               <a:rPr lang="en-US" smtClean="0"/>
-              <a:t>10/7/2018</a:t>
+              <a:t>12/1/2018</a:t>
             </a:fld>
             <a:endParaRPr lang="en-US" dirty="0"/>
           </a:p>
@@ -1482,7 +1490,7 @@
           <a:p>
             <a:fld id="{276D79ED-3FA7-4EF8-964B-EB8BCFAB02F8}" type="datetimeFigureOut">
               <a:rPr lang="en-US" smtClean="0"/>
-              <a:t>10/7/2018</a:t>
+              <a:t>12/1/2018</a:t>
             </a:fld>
             <a:endParaRPr lang="en-US" dirty="0"/>
           </a:p>
@@ -1759,7 +1767,7 @@
           <a:p>
             <a:fld id="{276D79ED-3FA7-4EF8-964B-EB8BCFAB02F8}" type="datetimeFigureOut">
               <a:rPr lang="en-US" smtClean="0"/>
-              <a:t>10/7/2018</a:t>
+              <a:t>12/1/2018</a:t>
             </a:fld>
             <a:endParaRPr lang="en-US" dirty="0"/>
           </a:p>
@@ -2016,7 +2024,7 @@
           <a:p>
             <a:fld id="{276D79ED-3FA7-4EF8-964B-EB8BCFAB02F8}" type="datetimeFigureOut">
               <a:rPr lang="en-US" smtClean="0"/>
-              <a:t>10/7/2018</a:t>
+              <a:t>12/1/2018</a:t>
             </a:fld>
             <a:endParaRPr lang="en-US" dirty="0"/>
           </a:p>
@@ -2237,7 +2245,7 @@
           <a:p>
             <a:fld id="{276D79ED-3FA7-4EF8-964B-EB8BCFAB02F8}" type="datetimeFigureOut">
               <a:rPr lang="en-US" smtClean="0"/>
-              <a:t>10/7/2018</a:t>
+              <a:t>12/1/2018</a:t>
             </a:fld>
             <a:endParaRPr lang="en-US" dirty="0"/>
           </a:p>
@@ -2802,36 +2810,19 @@
           <a:p>
             <a:r>
               <a:rPr lang="en-US" dirty="0" smtClean="0"/>
-              <a:t>Prepared by: Kossov </a:t>
-            </a:r>
-            <a:r>
-              <a:rPr lang="en-US" dirty="0" smtClean="0"/>
-              <a:t>Assylbek</a:t>
+              <a:t>Prepared by: Kossov Assylbek</a:t>
             </a:r>
           </a:p>
           <a:p>
             <a:r>
               <a:rPr lang="en-US" b="1" dirty="0" smtClean="0"/>
-              <a:t>Bektemirova</a:t>
-            </a:r>
+              <a:t>Bektemirova Aruzhan</a:t>
+            </a:r>
+          </a:p>
+          <a:p>
             <a:r>
               <a:rPr lang="en-US" b="1" dirty="0" smtClean="0"/>
-              <a:t> </a:t>
-            </a:r>
-            <a:r>
-              <a:rPr lang="en-US" b="1" dirty="0" smtClean="0"/>
-              <a:t>Aruzhan</a:t>
-            </a:r>
-            <a:endParaRPr lang="en-US" b="1" dirty="0" smtClean="0"/>
-          </a:p>
-          <a:p>
-            <a:r>
-              <a:rPr lang="en-US" b="1" dirty="0" smtClean="0"/>
-              <a:t>Kassanov</a:t>
-            </a:r>
-            <a:r>
-              <a:rPr lang="en-US" b="1" dirty="0" smtClean="0"/>
-              <a:t> Roman</a:t>
+              <a:t>Kassanov Roman</a:t>
             </a:r>
             <a:endParaRPr lang="en-US" b="1" dirty="0"/>
           </a:p>
@@ -2841,6 +2832,599 @@
     <p:extLst>
       <p:ext uri="{BB962C8B-B14F-4D97-AF65-F5344CB8AC3E}">
         <p14:creationId xmlns:p14="http://schemas.microsoft.com/office/powerpoint/2010/main" val="720928810"/>
+      </p:ext>
+    </p:extLst>
+  </p:cSld>
+  <p:clrMapOvr>
+    <a:masterClrMapping/>
+  </p:clrMapOvr>
+  <p:timing>
+    <p:tnLst>
+      <p:par>
+        <p:cTn id="1" dur="indefinite" restart="never" nodeType="tmRoot"/>
+      </p:par>
+    </p:tnLst>
+  </p:timing>
+</p:sld>
+</file>
+
+<file path=ppt/slides/slide10.xml><?xml version="1.0" encoding="utf-8"?>
+<p:sld xmlns:a="http://schemas.openxmlformats.org/drawingml/2006/main" xmlns:r="http://schemas.openxmlformats.org/officeDocument/2006/relationships" xmlns:p="http://schemas.openxmlformats.org/presentationml/2006/main">
+  <p:cSld>
+    <p:spTree>
+      <p:nvGrpSpPr>
+        <p:cNvPr id="1" name=""/>
+        <p:cNvGrpSpPr/>
+        <p:nvPr/>
+      </p:nvGrpSpPr>
+      <p:grpSpPr>
+        <a:xfrm>
+          <a:off x="0" y="0"/>
+          <a:ext cx="0" cy="0"/>
+          <a:chOff x="0" y="0"/>
+          <a:chExt cx="0" cy="0"/>
+        </a:xfrm>
+      </p:grpSpPr>
+      <p:sp>
+        <p:nvSpPr>
+          <p:cNvPr id="2" name="Заголовок 1"/>
+          <p:cNvSpPr>
+            <a:spLocks noGrp="1"/>
+          </p:cNvSpPr>
+          <p:nvPr>
+            <p:ph type="title"/>
+          </p:nvPr>
+        </p:nvSpPr>
+        <p:spPr/>
+        <p:txBody>
+          <a:bodyPr/>
+          <a:lstStyle/>
+          <a:p>
+            <a:endParaRPr lang="ru-RU"/>
+          </a:p>
+        </p:txBody>
+      </p:sp>
+      <p:pic>
+        <p:nvPicPr>
+          <p:cNvPr id="4" name="Объект 3"/>
+          <p:cNvPicPr>
+            <a:picLocks noGrp="1" noChangeAspect="1"/>
+          </p:cNvPicPr>
+          <p:nvPr>
+            <p:ph idx="1"/>
+          </p:nvPr>
+        </p:nvPicPr>
+        <p:blipFill rotWithShape="1">
+          <a:blip r:embed="rId2"/>
+          <a:srcRect l="35974" t="35588" r="32478" b="12880"/>
+          <a:stretch/>
+        </p:blipFill>
+        <p:spPr>
+          <a:xfrm>
+            <a:off x="5054600" y="1016000"/>
+            <a:ext cx="4978400" cy="4572000"/>
+          </a:xfrm>
+          <a:prstGeom prst="rect">
+            <a:avLst/>
+          </a:prstGeom>
+        </p:spPr>
+      </p:pic>
+    </p:spTree>
+    <p:extLst>
+      <p:ext uri="{BB962C8B-B14F-4D97-AF65-F5344CB8AC3E}">
+        <p14:creationId xmlns:p14="http://schemas.microsoft.com/office/powerpoint/2010/main" val="1730059239"/>
+      </p:ext>
+    </p:extLst>
+  </p:cSld>
+  <p:clrMapOvr>
+    <a:masterClrMapping/>
+  </p:clrMapOvr>
+</p:sld>
+</file>
+
+<file path=ppt/slides/slide11.xml><?xml version="1.0" encoding="utf-8"?>
+<p:sld xmlns:a="http://schemas.openxmlformats.org/drawingml/2006/main" xmlns:r="http://schemas.openxmlformats.org/officeDocument/2006/relationships" xmlns:p="http://schemas.openxmlformats.org/presentationml/2006/main">
+  <p:cSld>
+    <p:spTree>
+      <p:nvGrpSpPr>
+        <p:cNvPr id="1" name=""/>
+        <p:cNvGrpSpPr/>
+        <p:nvPr/>
+      </p:nvGrpSpPr>
+      <p:grpSpPr>
+        <a:xfrm>
+          <a:off x="0" y="0"/>
+          <a:ext cx="0" cy="0"/>
+          <a:chOff x="0" y="0"/>
+          <a:chExt cx="0" cy="0"/>
+        </a:xfrm>
+      </p:grpSpPr>
+      <p:sp>
+        <p:nvSpPr>
+          <p:cNvPr id="2" name="Заголовок 1"/>
+          <p:cNvSpPr>
+            <a:spLocks noGrp="1"/>
+          </p:cNvSpPr>
+          <p:nvPr>
+            <p:ph type="title"/>
+          </p:nvPr>
+        </p:nvSpPr>
+        <p:spPr/>
+        <p:txBody>
+          <a:bodyPr/>
+          <a:lstStyle/>
+          <a:p>
+            <a:r>
+              <a:rPr lang="en-US" dirty="0" smtClean="0"/>
+              <a:t>DATASET</a:t>
+            </a:r>
+            <a:endParaRPr lang="ru-RU" dirty="0"/>
+          </a:p>
+        </p:txBody>
+      </p:sp>
+      <p:sp>
+        <p:nvSpPr>
+          <p:cNvPr id="3" name="Объект 2"/>
+          <p:cNvSpPr>
+            <a:spLocks noGrp="1"/>
+          </p:cNvSpPr>
+          <p:nvPr>
+            <p:ph idx="1"/>
+          </p:nvPr>
+        </p:nvSpPr>
+        <p:spPr/>
+        <p:txBody>
+          <a:bodyPr/>
+          <a:lstStyle/>
+          <a:p>
+            <a:r>
+              <a:rPr lang="en-US" dirty="0" smtClean="0"/>
+              <a:t>Consists from coordinates of brain signals </a:t>
+            </a:r>
+            <a:endParaRPr lang="ru-RU" dirty="0"/>
+          </a:p>
+        </p:txBody>
+      </p:sp>
+      <p:pic>
+        <p:nvPicPr>
+          <p:cNvPr id="4" name="Рисунок 3"/>
+          <p:cNvPicPr>
+            <a:picLocks noChangeAspect="1"/>
+          </p:cNvPicPr>
+          <p:nvPr/>
+        </p:nvPicPr>
+        <p:blipFill rotWithShape="1">
+          <a:blip r:embed="rId2"/>
+          <a:srcRect l="1" t="5729" r="32431" b="2431"/>
+          <a:stretch/>
+        </p:blipFill>
+        <p:spPr>
+          <a:xfrm>
+            <a:off x="3695701" y="2451100"/>
+            <a:ext cx="6819900" cy="4191000"/>
+          </a:xfrm>
+          <a:prstGeom prst="rect">
+            <a:avLst/>
+          </a:prstGeom>
+        </p:spPr>
+      </p:pic>
+    </p:spTree>
+    <p:extLst>
+      <p:ext uri="{BB962C8B-B14F-4D97-AF65-F5344CB8AC3E}">
+        <p14:creationId xmlns:p14="http://schemas.microsoft.com/office/powerpoint/2010/main" val="2268947125"/>
+      </p:ext>
+    </p:extLst>
+  </p:cSld>
+  <p:clrMapOvr>
+    <a:masterClrMapping/>
+  </p:clrMapOvr>
+</p:sld>
+</file>
+
+<file path=ppt/slides/slide12.xml><?xml version="1.0" encoding="utf-8"?>
+<p:sld xmlns:a="http://schemas.openxmlformats.org/drawingml/2006/main" xmlns:r="http://schemas.openxmlformats.org/officeDocument/2006/relationships" xmlns:p="http://schemas.openxmlformats.org/presentationml/2006/main">
+  <p:cSld>
+    <p:spTree>
+      <p:nvGrpSpPr>
+        <p:cNvPr id="1" name=""/>
+        <p:cNvGrpSpPr/>
+        <p:nvPr/>
+      </p:nvGrpSpPr>
+      <p:grpSpPr>
+        <a:xfrm>
+          <a:off x="0" y="0"/>
+          <a:ext cx="0" cy="0"/>
+          <a:chOff x="0" y="0"/>
+          <a:chExt cx="0" cy="0"/>
+        </a:xfrm>
+      </p:grpSpPr>
+      <p:sp>
+        <p:nvSpPr>
+          <p:cNvPr id="2" name="Заголовок 1"/>
+          <p:cNvSpPr>
+            <a:spLocks noGrp="1"/>
+          </p:cNvSpPr>
+          <p:nvPr>
+            <p:ph type="title"/>
+          </p:nvPr>
+        </p:nvSpPr>
+        <p:spPr/>
+        <p:txBody>
+          <a:bodyPr/>
+          <a:lstStyle/>
+          <a:p>
+            <a:endParaRPr lang="ru-RU"/>
+          </a:p>
+        </p:txBody>
+      </p:sp>
+      <p:pic>
+        <p:nvPicPr>
+          <p:cNvPr id="4" name="Объект 3"/>
+          <p:cNvPicPr>
+            <a:picLocks noGrp="1" noChangeAspect="1"/>
+          </p:cNvPicPr>
+          <p:nvPr>
+            <p:ph idx="1"/>
+          </p:nvPr>
+        </p:nvPicPr>
+        <p:blipFill rotWithShape="1">
+          <a:blip r:embed="rId2"/>
+          <a:srcRect l="19529" t="26659" r="20098" b="5066"/>
+          <a:stretch/>
+        </p:blipFill>
+        <p:spPr>
+          <a:xfrm>
+            <a:off x="3095897" y="635000"/>
+            <a:ext cx="8250646" cy="5638800"/>
+          </a:xfrm>
+          <a:prstGeom prst="rect">
+            <a:avLst/>
+          </a:prstGeom>
+        </p:spPr>
+      </p:pic>
+    </p:spTree>
+    <p:extLst>
+      <p:ext uri="{BB962C8B-B14F-4D97-AF65-F5344CB8AC3E}">
+        <p14:creationId xmlns:p14="http://schemas.microsoft.com/office/powerpoint/2010/main" val="2893895182"/>
+      </p:ext>
+    </p:extLst>
+  </p:cSld>
+  <p:clrMapOvr>
+    <a:masterClrMapping/>
+  </p:clrMapOvr>
+</p:sld>
+</file>
+
+<file path=ppt/slides/slide13.xml><?xml version="1.0" encoding="utf-8"?>
+<p:sld xmlns:a="http://schemas.openxmlformats.org/drawingml/2006/main" xmlns:r="http://schemas.openxmlformats.org/officeDocument/2006/relationships" xmlns:p="http://schemas.openxmlformats.org/presentationml/2006/main">
+  <p:cSld>
+    <p:spTree>
+      <p:nvGrpSpPr>
+        <p:cNvPr id="1" name=""/>
+        <p:cNvGrpSpPr/>
+        <p:nvPr/>
+      </p:nvGrpSpPr>
+      <p:grpSpPr>
+        <a:xfrm>
+          <a:off x="0" y="0"/>
+          <a:ext cx="0" cy="0"/>
+          <a:chOff x="0" y="0"/>
+          <a:chExt cx="0" cy="0"/>
+        </a:xfrm>
+      </p:grpSpPr>
+      <p:sp>
+        <p:nvSpPr>
+          <p:cNvPr id="2" name="Заголовок 1"/>
+          <p:cNvSpPr>
+            <a:spLocks noGrp="1"/>
+          </p:cNvSpPr>
+          <p:nvPr>
+            <p:ph type="title"/>
+          </p:nvPr>
+        </p:nvSpPr>
+        <p:spPr/>
+        <p:txBody>
+          <a:bodyPr/>
+          <a:lstStyle/>
+          <a:p>
+            <a:endParaRPr lang="ru-RU"/>
+          </a:p>
+        </p:txBody>
+      </p:sp>
+      <p:pic>
+        <p:nvPicPr>
+          <p:cNvPr id="5" name="Объект 4"/>
+          <p:cNvPicPr>
+            <a:picLocks noGrp="1" noChangeAspect="1"/>
+          </p:cNvPicPr>
+          <p:nvPr>
+            <p:ph idx="1"/>
+          </p:nvPr>
+        </p:nvPicPr>
+        <p:blipFill>
+          <a:blip r:embed="rId2">
+            <a:extLst>
+              <a:ext uri="{28A0092B-C50C-407E-A947-70E740481C1C}">
+                <a14:useLocalDpi xmlns:a14="http://schemas.microsoft.com/office/drawing/2010/main" val="0"/>
+              </a:ext>
+            </a:extLst>
+          </a:blip>
+          <a:stretch>
+            <a:fillRect/>
+          </a:stretch>
+        </p:blipFill>
+        <p:spPr bwMode="auto">
+          <a:xfrm>
+            <a:off x="3095897" y="344215"/>
+            <a:ext cx="8884773" cy="5917657"/>
+          </a:xfrm>
+          <a:prstGeom prst="rect">
+            <a:avLst/>
+          </a:prstGeom>
+          <a:noFill/>
+          <a:extLst>
+            <a:ext uri="{909E8E84-426E-40DD-AFC4-6F175D3DCCD1}">
+              <a14:hiddenFill xmlns:a14="http://schemas.microsoft.com/office/drawing/2010/main">
+                <a:solidFill>
+                  <a:srgbClr val="FFFFFF"/>
+                </a:solidFill>
+              </a14:hiddenFill>
+            </a:ext>
+          </a:extLst>
+        </p:spPr>
+      </p:pic>
+    </p:spTree>
+    <p:extLst>
+      <p:ext uri="{BB962C8B-B14F-4D97-AF65-F5344CB8AC3E}">
+        <p14:creationId xmlns:p14="http://schemas.microsoft.com/office/powerpoint/2010/main" val="4026551818"/>
+      </p:ext>
+    </p:extLst>
+  </p:cSld>
+  <p:clrMapOvr>
+    <a:masterClrMapping/>
+  </p:clrMapOvr>
+</p:sld>
+</file>
+
+<file path=ppt/slides/slide14.xml><?xml version="1.0" encoding="utf-8"?>
+<p:sld xmlns:a="http://schemas.openxmlformats.org/drawingml/2006/main" xmlns:r="http://schemas.openxmlformats.org/officeDocument/2006/relationships" xmlns:p="http://schemas.openxmlformats.org/presentationml/2006/main">
+  <p:cSld>
+    <p:spTree>
+      <p:nvGrpSpPr>
+        <p:cNvPr id="1" name=""/>
+        <p:cNvGrpSpPr/>
+        <p:nvPr/>
+      </p:nvGrpSpPr>
+      <p:grpSpPr>
+        <a:xfrm>
+          <a:off x="0" y="0"/>
+          <a:ext cx="0" cy="0"/>
+          <a:chOff x="0" y="0"/>
+          <a:chExt cx="0" cy="0"/>
+        </a:xfrm>
+      </p:grpSpPr>
+      <p:sp>
+        <p:nvSpPr>
+          <p:cNvPr id="2" name="Заголовок 1"/>
+          <p:cNvSpPr>
+            <a:spLocks noGrp="1"/>
+          </p:cNvSpPr>
+          <p:nvPr>
+            <p:ph type="title"/>
+          </p:nvPr>
+        </p:nvSpPr>
+        <p:spPr/>
+        <p:txBody>
+          <a:bodyPr/>
+          <a:lstStyle/>
+          <a:p>
+            <a:endParaRPr lang="ru-RU"/>
+          </a:p>
+        </p:txBody>
+      </p:sp>
+      <p:pic>
+        <p:nvPicPr>
+          <p:cNvPr id="4" name="Объект 3"/>
+          <p:cNvPicPr>
+            <a:picLocks noGrp="1" noChangeAspect="1"/>
+          </p:cNvPicPr>
+          <p:nvPr>
+            <p:ph idx="1"/>
+          </p:nvPr>
+        </p:nvPicPr>
+        <p:blipFill>
+          <a:blip r:embed="rId2">
+            <a:extLst>
+              <a:ext uri="{28A0092B-C50C-407E-A947-70E740481C1C}">
+                <a14:useLocalDpi xmlns:a14="http://schemas.microsoft.com/office/drawing/2010/main" val="0"/>
+              </a:ext>
+            </a:extLst>
+          </a:blip>
+          <a:stretch>
+            <a:fillRect/>
+          </a:stretch>
+        </p:blipFill>
+        <p:spPr>
+          <a:xfrm>
+            <a:off x="4164115" y="1080157"/>
+            <a:ext cx="7274360" cy="4845050"/>
+          </a:xfrm>
+        </p:spPr>
+      </p:pic>
+    </p:spTree>
+    <p:extLst>
+      <p:ext uri="{BB962C8B-B14F-4D97-AF65-F5344CB8AC3E}">
+        <p14:creationId xmlns:p14="http://schemas.microsoft.com/office/powerpoint/2010/main" val="2958904229"/>
+      </p:ext>
+    </p:extLst>
+  </p:cSld>
+  <p:clrMapOvr>
+    <a:masterClrMapping/>
+  </p:clrMapOvr>
+</p:sld>
+</file>
+
+<file path=ppt/slides/slide15.xml><?xml version="1.0" encoding="utf-8"?>
+<p:sld xmlns:a="http://schemas.openxmlformats.org/drawingml/2006/main" xmlns:r="http://schemas.openxmlformats.org/officeDocument/2006/relationships" xmlns:p="http://schemas.openxmlformats.org/presentationml/2006/main">
+  <p:cSld>
+    <p:spTree>
+      <p:nvGrpSpPr>
+        <p:cNvPr id="1" name=""/>
+        <p:cNvGrpSpPr/>
+        <p:nvPr/>
+      </p:nvGrpSpPr>
+      <p:grpSpPr>
+        <a:xfrm>
+          <a:off x="0" y="0"/>
+          <a:ext cx="0" cy="0"/>
+          <a:chOff x="0" y="0"/>
+          <a:chExt cx="0" cy="0"/>
+        </a:xfrm>
+      </p:grpSpPr>
+      <p:sp>
+        <p:nvSpPr>
+          <p:cNvPr id="2" name="Заголовок 1"/>
+          <p:cNvSpPr>
+            <a:spLocks noGrp="1"/>
+          </p:cNvSpPr>
+          <p:nvPr>
+            <p:ph type="title"/>
+          </p:nvPr>
+        </p:nvSpPr>
+        <p:spPr/>
+        <p:txBody>
+          <a:bodyPr/>
+          <a:lstStyle/>
+          <a:p>
+            <a:endParaRPr lang="ru-RU"/>
+          </a:p>
+        </p:txBody>
+      </p:sp>
+      <p:pic>
+        <p:nvPicPr>
+          <p:cNvPr id="5" name="Объект 4"/>
+          <p:cNvPicPr>
+            <a:picLocks noGrp="1" noChangeAspect="1"/>
+          </p:cNvPicPr>
+          <p:nvPr>
+            <p:ph idx="1"/>
+          </p:nvPr>
+        </p:nvPicPr>
+        <p:blipFill>
+          <a:blip r:embed="rId2">
+            <a:extLst>
+              <a:ext uri="{28A0092B-C50C-407E-A947-70E740481C1C}">
+                <a14:useLocalDpi xmlns:a14="http://schemas.microsoft.com/office/drawing/2010/main" val="0"/>
+              </a:ext>
+            </a:extLst>
+          </a:blip>
+          <a:stretch>
+            <a:fillRect/>
+          </a:stretch>
+        </p:blipFill>
+        <p:spPr bwMode="auto">
+          <a:xfrm>
+            <a:off x="3095897" y="2159000"/>
+            <a:ext cx="8623300" cy="3484654"/>
+          </a:xfrm>
+          <a:prstGeom prst="rect">
+            <a:avLst/>
+          </a:prstGeom>
+          <a:noFill/>
+          <a:extLst>
+            <a:ext uri="{909E8E84-426E-40DD-AFC4-6F175D3DCCD1}">
+              <a14:hiddenFill xmlns:a14="http://schemas.microsoft.com/office/drawing/2010/main">
+                <a:solidFill>
+                  <a:srgbClr val="FFFFFF"/>
+                </a:solidFill>
+              </a14:hiddenFill>
+            </a:ext>
+          </a:extLst>
+        </p:spPr>
+      </p:pic>
+    </p:spTree>
+    <p:extLst>
+      <p:ext uri="{BB962C8B-B14F-4D97-AF65-F5344CB8AC3E}">
+        <p14:creationId xmlns:p14="http://schemas.microsoft.com/office/powerpoint/2010/main" val="700844124"/>
+      </p:ext>
+    </p:extLst>
+  </p:cSld>
+  <p:clrMapOvr>
+    <a:masterClrMapping/>
+  </p:clrMapOvr>
+</p:sld>
+</file>
+
+<file path=ppt/slides/slide16.xml><?xml version="1.0" encoding="utf-8"?>
+<p:sld xmlns:a="http://schemas.openxmlformats.org/drawingml/2006/main" xmlns:r="http://schemas.openxmlformats.org/officeDocument/2006/relationships" xmlns:p="http://schemas.openxmlformats.org/presentationml/2006/main">
+  <p:cSld>
+    <p:spTree>
+      <p:nvGrpSpPr>
+        <p:cNvPr id="1" name=""/>
+        <p:cNvGrpSpPr/>
+        <p:nvPr/>
+      </p:nvGrpSpPr>
+      <p:grpSpPr>
+        <a:xfrm>
+          <a:off x="0" y="0"/>
+          <a:ext cx="0" cy="0"/>
+          <a:chOff x="0" y="0"/>
+          <a:chExt cx="0" cy="0"/>
+        </a:xfrm>
+      </p:grpSpPr>
+      <p:sp>
+        <p:nvSpPr>
+          <p:cNvPr id="2" name="Заголовок 1"/>
+          <p:cNvSpPr>
+            <a:spLocks noGrp="1"/>
+          </p:cNvSpPr>
+          <p:nvPr>
+            <p:ph type="title"/>
+          </p:nvPr>
+        </p:nvSpPr>
+        <p:spPr/>
+        <p:txBody>
+          <a:bodyPr/>
+          <a:lstStyle/>
+          <a:p>
+            <a:r>
+              <a:rPr lang="en-US" dirty="0" smtClean="0"/>
+              <a:t>Thank you !!!</a:t>
+            </a:r>
+            <a:endParaRPr lang="ru-RU" dirty="0"/>
+          </a:p>
+        </p:txBody>
+      </p:sp>
+      <p:sp>
+        <p:nvSpPr>
+          <p:cNvPr id="3" name="Объект 2"/>
+          <p:cNvSpPr>
+            <a:spLocks noGrp="1"/>
+          </p:cNvSpPr>
+          <p:nvPr>
+            <p:ph idx="1"/>
+          </p:nvPr>
+        </p:nvSpPr>
+        <p:spPr/>
+        <p:txBody>
+          <a:bodyPr/>
+          <a:lstStyle/>
+          <a:p>
+            <a:pPr marL="0" indent="0">
+              <a:buNone/>
+            </a:pPr>
+            <a:r>
+              <a:rPr lang="en-US" sz="8000" dirty="0" smtClean="0"/>
+              <a:t>IT’S TIME FOR QA</a:t>
+            </a:r>
+            <a:endParaRPr lang="ru-RU" sz="8000" dirty="0"/>
+          </a:p>
+        </p:txBody>
+      </p:sp>
+    </p:spTree>
+    <p:extLst>
+      <p:ext uri="{BB962C8B-B14F-4D97-AF65-F5344CB8AC3E}">
+        <p14:creationId xmlns:p14="http://schemas.microsoft.com/office/powerpoint/2010/main" val="3650787086"/>
       </p:ext>
     </p:extLst>
   </p:cSld>
@@ -2996,105 +3580,6 @@
           <a:p>
             <a:r>
               <a:rPr lang="en-US" dirty="0" smtClean="0"/>
-              <a:t>DATASET</a:t>
-            </a:r>
-            <a:endParaRPr lang="ru-RU" dirty="0"/>
-          </a:p>
-        </p:txBody>
-      </p:sp>
-      <p:sp>
-        <p:nvSpPr>
-          <p:cNvPr id="3" name="Объект 2"/>
-          <p:cNvSpPr>
-            <a:spLocks noGrp="1"/>
-          </p:cNvSpPr>
-          <p:nvPr>
-            <p:ph idx="1"/>
-          </p:nvPr>
-        </p:nvSpPr>
-        <p:spPr/>
-        <p:txBody>
-          <a:bodyPr/>
-          <a:lstStyle/>
-          <a:p>
-            <a:r>
-              <a:rPr lang="en-US" dirty="0" smtClean="0"/>
-              <a:t>Consists from coordinates of brain signals </a:t>
-            </a:r>
-            <a:endParaRPr lang="ru-RU" dirty="0"/>
-          </a:p>
-        </p:txBody>
-      </p:sp>
-      <p:pic>
-        <p:nvPicPr>
-          <p:cNvPr id="4" name="Рисунок 3"/>
-          <p:cNvPicPr>
-            <a:picLocks noChangeAspect="1"/>
-          </p:cNvPicPr>
-          <p:nvPr/>
-        </p:nvPicPr>
-        <p:blipFill rotWithShape="1">
-          <a:blip r:embed="rId2"/>
-          <a:srcRect l="1" t="5729" r="32431" b="2431"/>
-          <a:stretch/>
-        </p:blipFill>
-        <p:spPr>
-          <a:xfrm>
-            <a:off x="3695701" y="2451100"/>
-            <a:ext cx="6819900" cy="4191000"/>
-          </a:xfrm>
-          <a:prstGeom prst="rect">
-            <a:avLst/>
-          </a:prstGeom>
-        </p:spPr>
-      </p:pic>
-    </p:spTree>
-    <p:extLst>
-      <p:ext uri="{BB962C8B-B14F-4D97-AF65-F5344CB8AC3E}">
-        <p14:creationId xmlns:p14="http://schemas.microsoft.com/office/powerpoint/2010/main" val="2268947125"/>
-      </p:ext>
-    </p:extLst>
-  </p:cSld>
-  <p:clrMapOvr>
-    <a:masterClrMapping/>
-  </p:clrMapOvr>
-</p:sld>
-</file>
-
-<file path=ppt/slides/slide4.xml><?xml version="1.0" encoding="utf-8"?>
-<p:sld xmlns:a="http://schemas.openxmlformats.org/drawingml/2006/main" xmlns:r="http://schemas.openxmlformats.org/officeDocument/2006/relationships" xmlns:p="http://schemas.openxmlformats.org/presentationml/2006/main">
-  <p:cSld>
-    <p:spTree>
-      <p:nvGrpSpPr>
-        <p:cNvPr id="1" name=""/>
-        <p:cNvGrpSpPr/>
-        <p:nvPr/>
-      </p:nvGrpSpPr>
-      <p:grpSpPr>
-        <a:xfrm>
-          <a:off x="0" y="0"/>
-          <a:ext cx="0" cy="0"/>
-          <a:chOff x="0" y="0"/>
-          <a:chExt cx="0" cy="0"/>
-        </a:xfrm>
-      </p:grpSpPr>
-      <p:sp>
-        <p:nvSpPr>
-          <p:cNvPr id="2" name="Заголовок 1"/>
-          <p:cNvSpPr>
-            <a:spLocks noGrp="1"/>
-          </p:cNvSpPr>
-          <p:nvPr>
-            <p:ph type="title"/>
-          </p:nvPr>
-        </p:nvSpPr>
-        <p:spPr/>
-        <p:txBody>
-          <a:bodyPr/>
-          <a:lstStyle/>
-          <a:p>
-            <a:r>
-              <a:rPr lang="en-US" dirty="0" smtClean="0"/>
               <a:t>Competitors</a:t>
             </a:r>
             <a:endParaRPr lang="ru-RU" dirty="0"/>
@@ -3161,133 +3646,7 @@
 </p:sld>
 </file>
 
-<file path=ppt/slides/slide5.xml><?xml version="1.0" encoding="utf-8"?>
-<p:sld xmlns:a="http://schemas.openxmlformats.org/drawingml/2006/main" xmlns:r="http://schemas.openxmlformats.org/officeDocument/2006/relationships" xmlns:p="http://schemas.openxmlformats.org/presentationml/2006/main">
-  <p:cSld>
-    <p:spTree>
-      <p:nvGrpSpPr>
-        <p:cNvPr id="1" name=""/>
-        <p:cNvGrpSpPr/>
-        <p:nvPr/>
-      </p:nvGrpSpPr>
-      <p:grpSpPr>
-        <a:xfrm>
-          <a:off x="0" y="0"/>
-          <a:ext cx="0" cy="0"/>
-          <a:chOff x="0" y="0"/>
-          <a:chExt cx="0" cy="0"/>
-        </a:xfrm>
-      </p:grpSpPr>
-      <p:sp>
-        <p:nvSpPr>
-          <p:cNvPr id="2" name="Title 1"/>
-          <p:cNvSpPr>
-            <a:spLocks noGrp="1"/>
-          </p:cNvSpPr>
-          <p:nvPr>
-            <p:ph type="title"/>
-          </p:nvPr>
-        </p:nvSpPr>
-        <p:spPr/>
-        <p:txBody>
-          <a:bodyPr>
-            <a:normAutofit fontScale="90000"/>
-          </a:bodyPr>
-          <a:lstStyle/>
-          <a:p>
-            <a:r>
-              <a:rPr lang="en-US" dirty="0"/>
-              <a:t/>
-            </a:r>
-            <a:br>
-              <a:rPr lang="en-US" dirty="0"/>
-            </a:br>
-            <a:r>
-              <a:rPr lang="en-US" dirty="0"/>
-              <a:t>How to Predict Whether a Persons Eyes are Open or Closed Using Brain Waves</a:t>
-            </a:r>
-            <a:br>
-              <a:rPr lang="en-US" dirty="0"/>
-            </a:br>
-            <a:endParaRPr lang="en-US" dirty="0"/>
-          </a:p>
-        </p:txBody>
-      </p:sp>
-      <p:pic>
-        <p:nvPicPr>
-          <p:cNvPr id="6" name="Рисунок 5"/>
-          <p:cNvPicPr>
-            <a:picLocks noChangeAspect="1"/>
-          </p:cNvPicPr>
-          <p:nvPr/>
-        </p:nvPicPr>
-        <p:blipFill>
-          <a:blip r:embed="rId2">
-            <a:extLst>
-              <a:ext uri="{28A0092B-C50C-407E-A947-70E740481C1C}">
-                <a14:useLocalDpi xmlns:a14="http://schemas.microsoft.com/office/drawing/2010/main" val="0"/>
-              </a:ext>
-            </a:extLst>
-          </a:blip>
-          <a:stretch>
-            <a:fillRect/>
-          </a:stretch>
-        </p:blipFill>
-        <p:spPr>
-          <a:xfrm>
-            <a:off x="4022996" y="2362155"/>
-            <a:ext cx="6962504" cy="4057559"/>
-          </a:xfrm>
-          <a:prstGeom prst="rect">
-            <a:avLst/>
-          </a:prstGeom>
-        </p:spPr>
-      </p:pic>
-      <p:sp>
-        <p:nvSpPr>
-          <p:cNvPr id="3" name="Объект 2"/>
-          <p:cNvSpPr>
-            <a:spLocks noGrp="1"/>
-          </p:cNvSpPr>
-          <p:nvPr>
-            <p:ph idx="1"/>
-          </p:nvPr>
-        </p:nvSpPr>
-        <p:spPr>
-          <a:xfrm>
-            <a:off x="4216400" y="2832100"/>
-            <a:ext cx="7503160" cy="3397114"/>
-          </a:xfrm>
-        </p:spPr>
-        <p:txBody>
-          <a:bodyPr/>
-          <a:lstStyle/>
-          <a:p>
-            <a:endParaRPr lang="ru-RU" dirty="0"/>
-          </a:p>
-        </p:txBody>
-      </p:sp>
-    </p:spTree>
-    <p:extLst>
-      <p:ext uri="{BB962C8B-B14F-4D97-AF65-F5344CB8AC3E}">
-        <p14:creationId xmlns:p14="http://schemas.microsoft.com/office/powerpoint/2010/main" val="2059971362"/>
-      </p:ext>
-    </p:extLst>
-  </p:cSld>
-  <p:clrMapOvr>
-    <a:masterClrMapping/>
-  </p:clrMapOvr>
-  <p:timing>
-    <p:tnLst>
-      <p:par>
-        <p:cTn id="1" dur="indefinite" restart="never" nodeType="tmRoot"/>
-      </p:par>
-    </p:tnLst>
-  </p:timing>
-</p:sld>
-</file>
-
-<file path=ppt/slides/slide6.xml><?xml version="1.0" encoding="utf-8"?>
+<file path=ppt/slides/slide4.xml><?xml version="1.0" encoding="utf-8"?>
 <p:sld xmlns:a="http://schemas.openxmlformats.org/drawingml/2006/main" xmlns:r="http://schemas.openxmlformats.org/officeDocument/2006/relationships" xmlns:p="http://schemas.openxmlformats.org/presentationml/2006/main">
   <p:cSld>
     <p:spTree>
@@ -3376,7 +3735,7 @@
 </p:sld>
 </file>
 
-<file path=ppt/slides/slide7.xml><?xml version="1.0" encoding="utf-8"?>
+<file path=ppt/slides/slide5.xml><?xml version="1.0" encoding="utf-8"?>
 <p:sld xmlns:a="http://schemas.openxmlformats.org/drawingml/2006/main" xmlns:r="http://schemas.openxmlformats.org/officeDocument/2006/relationships" xmlns:p="http://schemas.openxmlformats.org/presentationml/2006/main">
   <p:cSld>
     <p:spTree>
@@ -3521,6 +3880,207 @@
 </p:sld>
 </file>
 
+<file path=ppt/slides/slide6.xml><?xml version="1.0" encoding="utf-8"?>
+<p:sld xmlns:a="http://schemas.openxmlformats.org/drawingml/2006/main" xmlns:r="http://schemas.openxmlformats.org/officeDocument/2006/relationships" xmlns:p="http://schemas.openxmlformats.org/presentationml/2006/main">
+  <p:cSld>
+    <p:spTree>
+      <p:nvGrpSpPr>
+        <p:cNvPr id="1" name=""/>
+        <p:cNvGrpSpPr/>
+        <p:nvPr/>
+      </p:nvGrpSpPr>
+      <p:grpSpPr>
+        <a:xfrm>
+          <a:off x="0" y="0"/>
+          <a:ext cx="0" cy="0"/>
+          <a:chOff x="0" y="0"/>
+          <a:chExt cx="0" cy="0"/>
+        </a:xfrm>
+      </p:grpSpPr>
+      <p:sp>
+        <p:nvSpPr>
+          <p:cNvPr id="2" name="Title 1"/>
+          <p:cNvSpPr>
+            <a:spLocks noGrp="1"/>
+          </p:cNvSpPr>
+          <p:nvPr>
+            <p:ph type="title"/>
+          </p:nvPr>
+        </p:nvSpPr>
+        <p:spPr/>
+        <p:txBody>
+          <a:bodyPr>
+            <a:normAutofit fontScale="90000"/>
+          </a:bodyPr>
+          <a:lstStyle/>
+          <a:p>
+            <a:r>
+              <a:rPr lang="en-US" dirty="0"/>
+              <a:t/>
+            </a:r>
+            <a:br>
+              <a:rPr lang="en-US" dirty="0"/>
+            </a:br>
+            <a:r>
+              <a:rPr lang="en-US" dirty="0"/>
+              <a:t>How to Predict Whether a Persons Eyes are Open or Closed Using Brain Waves</a:t>
+            </a:r>
+            <a:br>
+              <a:rPr lang="en-US" dirty="0"/>
+            </a:br>
+            <a:endParaRPr lang="en-US" dirty="0"/>
+          </a:p>
+        </p:txBody>
+      </p:sp>
+      <p:pic>
+        <p:nvPicPr>
+          <p:cNvPr id="6" name="Рисунок 5"/>
+          <p:cNvPicPr>
+            <a:picLocks noChangeAspect="1"/>
+          </p:cNvPicPr>
+          <p:nvPr/>
+        </p:nvPicPr>
+        <p:blipFill>
+          <a:blip r:embed="rId2">
+            <a:extLst>
+              <a:ext uri="{28A0092B-C50C-407E-A947-70E740481C1C}">
+                <a14:useLocalDpi xmlns:a14="http://schemas.microsoft.com/office/drawing/2010/main" val="0"/>
+              </a:ext>
+            </a:extLst>
+          </a:blip>
+          <a:stretch>
+            <a:fillRect/>
+          </a:stretch>
+        </p:blipFill>
+        <p:spPr>
+          <a:xfrm>
+            <a:off x="4022996" y="2362155"/>
+            <a:ext cx="6962504" cy="4057559"/>
+          </a:xfrm>
+          <a:prstGeom prst="rect">
+            <a:avLst/>
+          </a:prstGeom>
+        </p:spPr>
+      </p:pic>
+      <p:sp>
+        <p:nvSpPr>
+          <p:cNvPr id="3" name="Объект 2"/>
+          <p:cNvSpPr>
+            <a:spLocks noGrp="1"/>
+          </p:cNvSpPr>
+          <p:nvPr>
+            <p:ph idx="1"/>
+          </p:nvPr>
+        </p:nvSpPr>
+        <p:spPr>
+          <a:xfrm>
+            <a:off x="4216400" y="2832100"/>
+            <a:ext cx="7503160" cy="3397114"/>
+          </a:xfrm>
+        </p:spPr>
+        <p:txBody>
+          <a:bodyPr/>
+          <a:lstStyle/>
+          <a:p>
+            <a:endParaRPr lang="ru-RU" dirty="0"/>
+          </a:p>
+        </p:txBody>
+      </p:sp>
+    </p:spTree>
+    <p:extLst>
+      <p:ext uri="{BB962C8B-B14F-4D97-AF65-F5344CB8AC3E}">
+        <p14:creationId xmlns:p14="http://schemas.microsoft.com/office/powerpoint/2010/main" val="2059971362"/>
+      </p:ext>
+    </p:extLst>
+  </p:cSld>
+  <p:clrMapOvr>
+    <a:masterClrMapping/>
+  </p:clrMapOvr>
+  <p:timing>
+    <p:tnLst>
+      <p:par>
+        <p:cTn id="1" dur="indefinite" restart="never" nodeType="tmRoot"/>
+      </p:par>
+    </p:tnLst>
+  </p:timing>
+</p:sld>
+</file>
+
+<file path=ppt/slides/slide7.xml><?xml version="1.0" encoding="utf-8"?>
+<p:sld xmlns:a="http://schemas.openxmlformats.org/drawingml/2006/main" xmlns:r="http://schemas.openxmlformats.org/officeDocument/2006/relationships" xmlns:p="http://schemas.openxmlformats.org/presentationml/2006/main">
+  <p:cSld>
+    <p:spTree>
+      <p:nvGrpSpPr>
+        <p:cNvPr id="1" name=""/>
+        <p:cNvGrpSpPr/>
+        <p:nvPr/>
+      </p:nvGrpSpPr>
+      <p:grpSpPr>
+        <a:xfrm>
+          <a:off x="0" y="0"/>
+          <a:ext cx="0" cy="0"/>
+          <a:chOff x="0" y="0"/>
+          <a:chExt cx="0" cy="0"/>
+        </a:xfrm>
+      </p:grpSpPr>
+      <p:sp>
+        <p:nvSpPr>
+          <p:cNvPr id="2" name="Заголовок 1"/>
+          <p:cNvSpPr>
+            <a:spLocks noGrp="1"/>
+          </p:cNvSpPr>
+          <p:nvPr>
+            <p:ph type="title"/>
+          </p:nvPr>
+        </p:nvSpPr>
+        <p:spPr/>
+        <p:txBody>
+          <a:bodyPr/>
+          <a:lstStyle/>
+          <a:p>
+            <a:endParaRPr lang="ru-RU"/>
+          </a:p>
+        </p:txBody>
+      </p:sp>
+      <p:pic>
+        <p:nvPicPr>
+          <p:cNvPr id="4" name="Объект 3"/>
+          <p:cNvPicPr>
+            <a:picLocks noGrp="1" noChangeAspect="1"/>
+          </p:cNvPicPr>
+          <p:nvPr>
+            <p:ph idx="1"/>
+          </p:nvPr>
+        </p:nvPicPr>
+        <p:blipFill>
+          <a:blip r:embed="rId2"/>
+          <a:stretch>
+            <a:fillRect/>
+          </a:stretch>
+        </p:blipFill>
+        <p:spPr>
+          <a:xfrm>
+            <a:off x="3328745" y="417376"/>
+            <a:ext cx="7866678" cy="5543550"/>
+          </a:xfrm>
+          <a:prstGeom prst="rect">
+            <a:avLst/>
+          </a:prstGeom>
+        </p:spPr>
+      </p:pic>
+    </p:spTree>
+    <p:extLst>
+      <p:ext uri="{BB962C8B-B14F-4D97-AF65-F5344CB8AC3E}">
+        <p14:creationId xmlns:p14="http://schemas.microsoft.com/office/powerpoint/2010/main" val="3150389531"/>
+      </p:ext>
+    </p:extLst>
+  </p:cSld>
+  <p:clrMapOvr>
+    <a:masterClrMapping/>
+  </p:clrMapOvr>
+</p:sld>
+</file>
+
 <file path=ppt/slides/slide8.xml><?xml version="1.0" encoding="utf-8"?>
 <p:sld xmlns:a="http://schemas.openxmlformats.org/drawingml/2006/main" xmlns:r="http://schemas.openxmlformats.org/officeDocument/2006/relationships" xmlns:p="http://schemas.openxmlformats.org/presentationml/2006/main">
   <p:cSld>
@@ -3553,57 +4113,127 @@
           <a:bodyPr/>
           <a:lstStyle/>
           <a:p>
-            <a:r>
-              <a:rPr lang="en-US" dirty="0" smtClean="0"/>
-              <a:t>Thank you !!!</a:t>
-            </a:r>
-            <a:endParaRPr lang="ru-RU" dirty="0"/>
-          </a:p>
-        </p:txBody>
-      </p:sp>
-      <p:sp>
-        <p:nvSpPr>
-          <p:cNvPr id="3" name="Объект 2"/>
-          <p:cNvSpPr>
-            <a:spLocks noGrp="1"/>
-          </p:cNvSpPr>
+            <a:endParaRPr lang="ru-RU"/>
+          </a:p>
+        </p:txBody>
+      </p:sp>
+      <p:pic>
+        <p:nvPicPr>
+          <p:cNvPr id="8" name="Объект 7"/>
+          <p:cNvPicPr>
+            <a:picLocks noGrp="1" noChangeAspect="1"/>
+          </p:cNvPicPr>
           <p:nvPr>
             <p:ph idx="1"/>
           </p:nvPr>
-        </p:nvSpPr>
-        <p:spPr/>
-        <p:txBody>
-          <a:bodyPr/>
-          <a:lstStyle/>
-          <a:p>
-            <a:pPr marL="0" indent="0">
-              <a:buNone/>
-            </a:pPr>
-            <a:r>
-              <a:rPr lang="en-US" sz="8000" dirty="0" smtClean="0"/>
-              <a:t>IT’S TIME FOR QA</a:t>
-            </a:r>
-            <a:endParaRPr lang="ru-RU" sz="8000" dirty="0"/>
-          </a:p>
-        </p:txBody>
-      </p:sp>
+        </p:nvPicPr>
+        <p:blipFill>
+          <a:blip r:embed="rId2">
+            <a:extLst>
+              <a:ext uri="{28A0092B-C50C-407E-A947-70E740481C1C}">
+                <a14:useLocalDpi xmlns:a14="http://schemas.microsoft.com/office/drawing/2010/main" val="0"/>
+              </a:ext>
+            </a:extLst>
+          </a:blip>
+          <a:stretch>
+            <a:fillRect/>
+          </a:stretch>
+        </p:blipFill>
+        <p:spPr>
+          <a:xfrm>
+            <a:off x="2967869" y="417376"/>
+            <a:ext cx="9224131" cy="5222080"/>
+          </a:xfrm>
+        </p:spPr>
+      </p:pic>
     </p:spTree>
     <p:extLst>
       <p:ext uri="{BB962C8B-B14F-4D97-AF65-F5344CB8AC3E}">
-        <p14:creationId xmlns:p14="http://schemas.microsoft.com/office/powerpoint/2010/main" val="3650787086"/>
+        <p14:creationId xmlns:p14="http://schemas.microsoft.com/office/powerpoint/2010/main" val="301475568"/>
       </p:ext>
     </p:extLst>
   </p:cSld>
   <p:clrMapOvr>
     <a:masterClrMapping/>
   </p:clrMapOvr>
-  <p:timing>
-    <p:tnLst>
-      <p:par>
-        <p:cTn id="1" dur="indefinite" restart="never" nodeType="tmRoot"/>
-      </p:par>
-    </p:tnLst>
-  </p:timing>
+</p:sld>
+</file>
+
+<file path=ppt/slides/slide9.xml><?xml version="1.0" encoding="utf-8"?>
+<p:sld xmlns:a="http://schemas.openxmlformats.org/drawingml/2006/main" xmlns:r="http://schemas.openxmlformats.org/officeDocument/2006/relationships" xmlns:p="http://schemas.openxmlformats.org/presentationml/2006/main">
+  <p:cSld>
+    <p:spTree>
+      <p:nvGrpSpPr>
+        <p:cNvPr id="1" name=""/>
+        <p:cNvGrpSpPr/>
+        <p:nvPr/>
+      </p:nvGrpSpPr>
+      <p:grpSpPr>
+        <a:xfrm>
+          <a:off x="0" y="0"/>
+          <a:ext cx="0" cy="0"/>
+          <a:chOff x="0" y="0"/>
+          <a:chExt cx="0" cy="0"/>
+        </a:xfrm>
+      </p:grpSpPr>
+      <p:sp>
+        <p:nvSpPr>
+          <p:cNvPr id="2" name="Заголовок 1"/>
+          <p:cNvSpPr>
+            <a:spLocks noGrp="1"/>
+          </p:cNvSpPr>
+          <p:nvPr>
+            <p:ph type="title"/>
+          </p:nvPr>
+        </p:nvSpPr>
+        <p:spPr/>
+        <p:txBody>
+          <a:bodyPr/>
+          <a:lstStyle/>
+          <a:p>
+            <a:endParaRPr lang="ru-RU"/>
+          </a:p>
+        </p:txBody>
+      </p:sp>
+      <p:pic>
+        <p:nvPicPr>
+          <p:cNvPr id="6" name="Объект 5"/>
+          <p:cNvPicPr>
+            <a:picLocks noGrp="1" noChangeAspect="1"/>
+          </p:cNvPicPr>
+          <p:nvPr>
+            <p:ph idx="1"/>
+          </p:nvPr>
+        </p:nvPicPr>
+        <p:blipFill>
+          <a:blip r:embed="rId2">
+            <a:extLst>
+              <a:ext uri="{28A0092B-C50C-407E-A947-70E740481C1C}">
+                <a14:useLocalDpi xmlns:a14="http://schemas.microsoft.com/office/drawing/2010/main" val="0"/>
+              </a:ext>
+            </a:extLst>
+          </a:blip>
+          <a:stretch>
+            <a:fillRect/>
+          </a:stretch>
+        </p:blipFill>
+        <p:spPr>
+          <a:xfrm>
+            <a:off x="4659068" y="187653"/>
+            <a:ext cx="6590592" cy="6346497"/>
+          </a:xfrm>
+        </p:spPr>
+      </p:pic>
+    </p:spTree>
+    <p:extLst>
+      <p:ext uri="{BB962C8B-B14F-4D97-AF65-F5344CB8AC3E}">
+        <p14:creationId xmlns:p14="http://schemas.microsoft.com/office/powerpoint/2010/main" val="3764614813"/>
+      </p:ext>
+    </p:extLst>
+  </p:cSld>
+  <p:clrMapOvr>
+    <a:masterClrMapping/>
+  </p:clrMapOvr>
 </p:sld>
 </file>
 
